--- a/doc/Finanzplan/Loc-Finanzplan.pptx
+++ b/doc/Finanzplan/Loc-Finanzplan.pptx
@@ -3300,15 +3300,7 @@
             </a:pPr>
             <a:r>
               <a:rPr lang="de-DE" dirty="0" smtClean="0"/>
-              <a:t>15€ pro </a:t>
-            </a:r>
-            <a:r>
-              <a:rPr lang="de-DE" dirty="0" smtClean="0"/>
-              <a:t>Shirt und </a:t>
-            </a:r>
-            <a:r>
-              <a:rPr lang="de-DE" dirty="0" smtClean="0"/>
-              <a:t>25 Personen</a:t>
+              <a:t>15€ pro Shirt und 25 Personen</a:t>
             </a:r>
           </a:p>
           <a:p>
@@ -3326,15 +3318,7 @@
             </a:pPr>
             <a:r>
               <a:rPr lang="de-DE" dirty="0" smtClean="0"/>
-              <a:t>+10% = 412,5€         </a:t>
-            </a:r>
-            <a:r>
-              <a:rPr lang="de-DE" dirty="0" smtClean="0"/>
-              <a:t>   </a:t>
-            </a:r>
-            <a:r>
-              <a:rPr lang="de-DE" dirty="0" smtClean="0"/>
-              <a:t>(10% sind also </a:t>
+              <a:t>+10% = 412,5€            (10% sind also </a:t>
             </a:r>
             <a:r>
               <a:rPr lang="de-DE" u="sng" dirty="0" smtClean="0"/>
@@ -3589,7 +3573,6 @@
               <a:rPr lang="de-DE" sz="1000" dirty="0" smtClean="0"/>
               <a:t>(siehe)</a:t>
             </a:r>
-            <a:endParaRPr lang="de-DE" sz="1000" dirty="0" smtClean="0"/>
           </a:p>
           <a:p>
             <a:pPr>
@@ -3608,7 +3591,6 @@
               <a:rPr lang="de-DE" sz="1000" dirty="0" smtClean="0"/>
               <a:t>http://trikots.meinverein.de/FUSSBALLTRIKOTS/Trikotsaetze-oxid/STANNO-Trikotsatz-ROMA-oxid-1.html?force_sid=78t3h72n4fb0rejo9iu1ui3oi1</a:t>
             </a:r>
-            <a:endParaRPr lang="de-DE" sz="1000" dirty="0" smtClean="0"/>
           </a:p>
         </p:txBody>
       </p:sp>
@@ -3781,11 +3763,7 @@
             </a:r>
             <a:r>
               <a:rPr lang="de-DE" u="sng" dirty="0" smtClean="0"/>
-              <a:t>74100 </a:t>
-            </a:r>
-            <a:r>
-              <a:rPr lang="de-DE" u="sng" dirty="0" smtClean="0"/>
-              <a:t>€</a:t>
+              <a:t>74100 €</a:t>
             </a:r>
           </a:p>
           <a:p>
@@ -3811,7 +3789,6 @@
               <a:rPr lang="de-DE" sz="1100" dirty="0" smtClean="0"/>
               <a:t>http://www.trikots-fuer-alle.de/</a:t>
             </a:r>
-            <a:endParaRPr lang="de-DE" sz="1100" dirty="0" smtClean="0"/>
           </a:p>
         </p:txBody>
       </p:sp>
@@ -3861,20 +3838,12 @@
               <a:rPr lang="de-DE" dirty="0" smtClean="0"/>
               <a:t>Umsatzplanung</a:t>
             </a:r>
-            <a:r>
-              <a:rPr lang="de-DE" dirty="0" smtClean="0"/>
-              <a:t/>
-            </a:r>
             <a:br>
               <a:rPr lang="de-DE" dirty="0" smtClean="0"/>
             </a:br>
             <a:r>
               <a:rPr lang="de-DE" dirty="0" smtClean="0"/>
-              <a:t>Durchschnitt (arithmetische </a:t>
-            </a:r>
-            <a:r>
-              <a:rPr lang="de-DE" dirty="0" smtClean="0"/>
-              <a:t>Mittel)</a:t>
+              <a:t>Durchschnitt (arithmetische Mittel)</a:t>
             </a:r>
             <a:endParaRPr lang="de-DE" dirty="0"/>
           </a:p>
@@ -3900,11 +3869,7 @@
             </a:pPr>
             <a:r>
               <a:rPr lang="de-DE" b="1" dirty="0" smtClean="0"/>
-              <a:t>Durchschnitt dieser drei Arten</a:t>
-            </a:r>
-            <a:r>
-              <a:rPr lang="de-DE" b="1" dirty="0" smtClean="0"/>
-              <a:t>:</a:t>
+              <a:t>Durchschnitt dieser drei Arten:</a:t>
             </a:r>
           </a:p>
           <a:p>
@@ -3943,7 +3908,6 @@
               <a:rPr lang="de-DE" b="1" u="sng" dirty="0" smtClean="0"/>
               <a:t>41147.333333 €</a:t>
             </a:r>
-            <a:endParaRPr lang="de-DE" b="1" u="sng" dirty="0" smtClean="0"/>
           </a:p>
           <a:p>
             <a:pPr>
